--- a/Calendario2022/Presentaciones/22_DireccionamientoIPv6.pptx
+++ b/Calendario2022/Presentaciones/22_DireccionamientoIPv6.pptx
@@ -219,7 +219,7 @@
           <a:p>
             <a:fld id="{2D445F07-8756-451B-A938-0248325FC7BB}" type="datetimeFigureOut">
               <a:rPr lang="es-MX" smtClean="0"/>
-              <a:t>13/06/2022</a:t>
+              <a:t>14/06/2022</a:t>
             </a:fld>
             <a:endParaRPr lang="es-MX" dirty="0"/>
           </a:p>
@@ -2038,7 +2038,7 @@
           <a:p>
             <a:fld id="{5E75A0DC-66C6-4CEC-A5EB-F8C97CEC3796}" type="datetimeFigureOut">
               <a:rPr lang="es-MX" smtClean="0"/>
-              <a:t>13/06/2022</a:t>
+              <a:t>14/06/2022</a:t>
             </a:fld>
             <a:endParaRPr lang="es-MX" dirty="0"/>
           </a:p>
@@ -2208,7 +2208,7 @@
           <a:p>
             <a:fld id="{5E75A0DC-66C6-4CEC-A5EB-F8C97CEC3796}" type="datetimeFigureOut">
               <a:rPr lang="es-MX" smtClean="0"/>
-              <a:t>13/06/2022</a:t>
+              <a:t>14/06/2022</a:t>
             </a:fld>
             <a:endParaRPr lang="es-MX" dirty="0"/>
           </a:p>
@@ -2388,7 +2388,7 @@
           <a:p>
             <a:fld id="{5E75A0DC-66C6-4CEC-A5EB-F8C97CEC3796}" type="datetimeFigureOut">
               <a:rPr lang="es-MX" smtClean="0"/>
-              <a:t>13/06/2022</a:t>
+              <a:t>14/06/2022</a:t>
             </a:fld>
             <a:endParaRPr lang="es-MX" dirty="0"/>
           </a:p>
@@ -2602,7 +2602,7 @@
         <p:fade/>
       </p:transition>
     </mc:Choice>
-    <mc:Fallback xmlns:c="http://schemas.openxmlformats.org/drawingml/2006/chart" xmlns:c15="http://schemas.microsoft.com/office/drawing/2012/chart" xmlns="">
+    <mc:Fallback xmlns="" xmlns:c15="http://schemas.microsoft.com/office/drawing/2012/chart" xmlns:c="http://schemas.openxmlformats.org/drawingml/2006/chart">
       <p:transition xmlns:p14="http://schemas.microsoft.com/office/powerpoint/2010/main" spd="med">
         <p:fade/>
       </p:transition>
@@ -2720,7 +2720,7 @@
           <a:p>
             <a:fld id="{5E75A0DC-66C6-4CEC-A5EB-F8C97CEC3796}" type="datetimeFigureOut">
               <a:rPr lang="es-MX" smtClean="0"/>
-              <a:t>13/06/2022</a:t>
+              <a:t>14/06/2022</a:t>
             </a:fld>
             <a:endParaRPr lang="es-MX" dirty="0"/>
           </a:p>
@@ -2966,7 +2966,7 @@
           <a:p>
             <a:fld id="{5E75A0DC-66C6-4CEC-A5EB-F8C97CEC3796}" type="datetimeFigureOut">
               <a:rPr lang="es-MX" smtClean="0"/>
-              <a:t>13/06/2022</a:t>
+              <a:t>14/06/2022</a:t>
             </a:fld>
             <a:endParaRPr lang="es-MX" dirty="0"/>
           </a:p>
@@ -3254,7 +3254,7 @@
           <a:p>
             <a:fld id="{5E75A0DC-66C6-4CEC-A5EB-F8C97CEC3796}" type="datetimeFigureOut">
               <a:rPr lang="es-MX" smtClean="0"/>
-              <a:t>13/06/2022</a:t>
+              <a:t>14/06/2022</a:t>
             </a:fld>
             <a:endParaRPr lang="es-MX" dirty="0"/>
           </a:p>
@@ -3676,7 +3676,7 @@
           <a:p>
             <a:fld id="{5E75A0DC-66C6-4CEC-A5EB-F8C97CEC3796}" type="datetimeFigureOut">
               <a:rPr lang="es-MX" smtClean="0"/>
-              <a:t>13/06/2022</a:t>
+              <a:t>14/06/2022</a:t>
             </a:fld>
             <a:endParaRPr lang="es-MX" dirty="0"/>
           </a:p>
@@ -3794,7 +3794,7 @@
           <a:p>
             <a:fld id="{5E75A0DC-66C6-4CEC-A5EB-F8C97CEC3796}" type="datetimeFigureOut">
               <a:rPr lang="es-MX" smtClean="0"/>
-              <a:t>13/06/2022</a:t>
+              <a:t>14/06/2022</a:t>
             </a:fld>
             <a:endParaRPr lang="es-MX" dirty="0"/>
           </a:p>
@@ -3889,7 +3889,7 @@
           <a:p>
             <a:fld id="{5E75A0DC-66C6-4CEC-A5EB-F8C97CEC3796}" type="datetimeFigureOut">
               <a:rPr lang="es-MX" smtClean="0"/>
-              <a:t>13/06/2022</a:t>
+              <a:t>14/06/2022</a:t>
             </a:fld>
             <a:endParaRPr lang="es-MX" dirty="0"/>
           </a:p>
@@ -4166,7 +4166,7 @@
           <a:p>
             <a:fld id="{5E75A0DC-66C6-4CEC-A5EB-F8C97CEC3796}" type="datetimeFigureOut">
               <a:rPr lang="es-MX" smtClean="0"/>
-              <a:t>13/06/2022</a:t>
+              <a:t>14/06/2022</a:t>
             </a:fld>
             <a:endParaRPr lang="es-MX" dirty="0"/>
           </a:p>
@@ -4419,7 +4419,7 @@
           <a:p>
             <a:fld id="{5E75A0DC-66C6-4CEC-A5EB-F8C97CEC3796}" type="datetimeFigureOut">
               <a:rPr lang="es-MX" smtClean="0"/>
-              <a:t>13/06/2022</a:t>
+              <a:t>14/06/2022</a:t>
             </a:fld>
             <a:endParaRPr lang="es-MX" dirty="0"/>
           </a:p>
@@ -4632,7 +4632,7 @@
           <a:p>
             <a:fld id="{5E75A0DC-66C6-4CEC-A5EB-F8C97CEC3796}" type="datetimeFigureOut">
               <a:rPr lang="es-MX" smtClean="0"/>
-              <a:t>13/06/2022</a:t>
+              <a:t>14/06/2022</a:t>
             </a:fld>
             <a:endParaRPr lang="es-MX" dirty="0"/>
           </a:p>
@@ -5373,7 +5373,7 @@
               <a:t>Prefijo de enrutamiento global: </a:t>
             </a:r>
             <a:r>
-              <a:rPr lang="es-419" sz="1200" dirty="0">
+              <a:rPr lang="es-419" sz="1200" b="1" dirty="0">
                 <a:solidFill>
                   <a:schemeClr val="tx1"/>
                 </a:solidFill>
@@ -5383,7 +5383,7 @@
               <a:t>R</a:t>
             </a:r>
             <a:r>
-              <a:rPr lang="es-ES" sz="1200" dirty="0" err="1">
+              <a:rPr lang="es-ES" sz="1200" b="1" dirty="0" err="1">
                 <a:solidFill>
                   <a:schemeClr val="tx1"/>
                 </a:solidFill>
@@ -5609,7 +5609,7 @@
         <p:fade/>
       </p:transition>
     </mc:Choice>
-    <mc:Fallback xmlns="" xmlns:c="http://schemas.openxmlformats.org/drawingml/2006/chart" xmlns:c15="http://schemas.microsoft.com/office/drawing/2012/chart">
+    <mc:Fallback xmlns:c15="http://schemas.microsoft.com/office/drawing/2012/chart" xmlns:c="http://schemas.openxmlformats.org/drawingml/2006/chart" xmlns="">
       <p:transition spd="med">
         <p:fade/>
       </p:transition>
@@ -5883,7 +5883,7 @@
         <p:fade/>
       </p:transition>
     </mc:Choice>
-    <mc:Fallback xmlns="" xmlns:c="http://schemas.openxmlformats.org/drawingml/2006/chart" xmlns:c15="http://schemas.microsoft.com/office/drawing/2012/chart">
+    <mc:Fallback xmlns:c15="http://schemas.microsoft.com/office/drawing/2012/chart" xmlns:c="http://schemas.openxmlformats.org/drawingml/2006/chart" xmlns="">
       <p:transition spd="med">
         <p:fade/>
       </p:transition>
@@ -6229,7 +6229,7 @@
         <p:fade/>
       </p:transition>
     </mc:Choice>
-    <mc:Fallback xmlns="" xmlns:c="http://schemas.openxmlformats.org/drawingml/2006/chart" xmlns:c15="http://schemas.microsoft.com/office/drawing/2012/chart">
+    <mc:Fallback xmlns:c15="http://schemas.microsoft.com/office/drawing/2012/chart" xmlns:c="http://schemas.openxmlformats.org/drawingml/2006/chart" xmlns="">
       <p:transition spd="med">
         <p:fade/>
       </p:transition>
@@ -6271,7 +6271,7 @@
           <a:graphicData uri="http://schemas.openxmlformats.org/presentationml/2006/ole">
             <mc:AlternateContent xmlns:mc="http://schemas.openxmlformats.org/markup-compatibility/2006">
               <mc:Choice xmlns:v="urn:schemas-microsoft-com:vml" Requires="v">
-                <p:oleObj spid="_x0000_s24627" name="Bitmap Image" r:id="rId4" imgW="1819280" imgH="2552567" progId="PBrush">
+                <p:oleObj spid="_x0000_s24629" name="Bitmap Image" r:id="rId4" imgW="1819280" imgH="2552567" progId="PBrush">
                   <p:embed/>
                 </p:oleObj>
               </mc:Choice>
@@ -7030,7 +7030,7 @@
         <p:fade/>
       </p:transition>
     </mc:Choice>
-    <mc:Fallback xmlns="" xmlns:c="http://schemas.openxmlformats.org/drawingml/2006/chart" xmlns:c15="http://schemas.microsoft.com/office/drawing/2012/chart">
+    <mc:Fallback xmlns:c15="http://schemas.microsoft.com/office/drawing/2012/chart" xmlns:c="http://schemas.openxmlformats.org/drawingml/2006/chart" xmlns="">
       <p:transition spd="med">
         <p:fade/>
       </p:transition>
@@ -7418,7 +7418,7 @@
         <p:fade/>
       </p:transition>
     </mc:Choice>
-    <mc:Fallback xmlns="" xmlns:c="http://schemas.openxmlformats.org/drawingml/2006/chart" xmlns:c15="http://schemas.microsoft.com/office/drawing/2012/chart">
+    <mc:Fallback xmlns:c15="http://schemas.microsoft.com/office/drawing/2012/chart" xmlns:c="http://schemas.openxmlformats.org/drawingml/2006/chart" xmlns="">
       <p:transition spd="med">
         <p:fade/>
       </p:transition>
@@ -7997,7 +7997,7 @@
         <p:fade/>
       </p:transition>
     </mc:Choice>
-    <mc:Fallback xmlns="" xmlns:c="http://schemas.openxmlformats.org/drawingml/2006/chart" xmlns:c15="http://schemas.microsoft.com/office/drawing/2012/chart">
+    <mc:Fallback xmlns:c15="http://schemas.microsoft.com/office/drawing/2012/chart" xmlns:c="http://schemas.openxmlformats.org/drawingml/2006/chart" xmlns="">
       <p:transition spd="med">
         <p:fade/>
       </p:transition>
@@ -8623,7 +8623,7 @@
         <p:fade/>
       </p:transition>
     </mc:Choice>
-    <mc:Fallback xmlns="" xmlns:c="http://schemas.openxmlformats.org/drawingml/2006/chart" xmlns:c15="http://schemas.microsoft.com/office/drawing/2012/chart">
+    <mc:Fallback xmlns:c15="http://schemas.microsoft.com/office/drawing/2012/chart" xmlns:c="http://schemas.openxmlformats.org/drawingml/2006/chart" xmlns="">
       <p:transition spd="med">
         <p:fade/>
       </p:transition>
@@ -9448,7 +9448,7 @@
         <p:fade/>
       </p:transition>
     </mc:Choice>
-    <mc:Fallback xmlns="" xmlns:c="http://schemas.openxmlformats.org/drawingml/2006/chart" xmlns:c15="http://schemas.microsoft.com/office/drawing/2012/chart">
+    <mc:Fallback xmlns:c15="http://schemas.microsoft.com/office/drawing/2012/chart" xmlns:c="http://schemas.openxmlformats.org/drawingml/2006/chart" xmlns="">
       <p:transition spd="med">
         <p:fade/>
       </p:transition>
@@ -9825,7 +9825,7 @@
         <p:fade/>
       </p:transition>
     </mc:Choice>
-    <mc:Fallback xmlns="" xmlns:c="http://schemas.openxmlformats.org/drawingml/2006/chart" xmlns:c15="http://schemas.microsoft.com/office/drawing/2012/chart">
+    <mc:Fallback xmlns:c15="http://schemas.microsoft.com/office/drawing/2012/chart" xmlns:c="http://schemas.openxmlformats.org/drawingml/2006/chart" xmlns="">
       <p:transition spd="med">
         <p:fade/>
       </p:transition>
@@ -10103,7 +10103,7 @@
         <p:fade/>
       </p:transition>
     </mc:Choice>
-    <mc:Fallback xmlns="" xmlns:c="http://schemas.openxmlformats.org/drawingml/2006/chart" xmlns:c15="http://schemas.microsoft.com/office/drawing/2012/chart">
+    <mc:Fallback xmlns:c15="http://schemas.microsoft.com/office/drawing/2012/chart" xmlns:c="http://schemas.openxmlformats.org/drawingml/2006/chart" xmlns="">
       <p:transition spd="med">
         <p:fade/>
       </p:transition>

--- a/Calendario2022/Presentaciones/22_DireccionamientoIPv6.pptx
+++ b/Calendario2022/Presentaciones/22_DireccionamientoIPv6.pptx
@@ -5,7 +5,7 @@
     <p:sldMasterId id="2147483648" r:id="rId1"/>
   </p:sldMasterIdLst>
   <p:notesMasterIdLst>
-    <p:notesMasterId r:id="rId14"/>
+    <p:notesMasterId r:id="rId13"/>
   </p:notesMasterIdLst>
   <p:sldIdLst>
     <p:sldId id="257" r:id="rId2"/>
@@ -19,7 +19,6 @@
     <p:sldId id="1164" r:id="rId10"/>
     <p:sldId id="1167" r:id="rId11"/>
     <p:sldId id="1170" r:id="rId12"/>
-    <p:sldId id="1169" r:id="rId13"/>
   </p:sldIdLst>
   <p:sldSz cx="9144000" cy="6858000" type="screen4x3"/>
   <p:notesSz cx="6858000" cy="9144000"/>
@@ -777,109 +776,6 @@
 </p:notes>
 </file>
 
-<file path=ppt/notesSlides/notesSlide12.xml><?xml version="1.0" encoding="utf-8"?>
-<p:notes xmlns:a="http://schemas.openxmlformats.org/drawingml/2006/main" xmlns:r="http://schemas.openxmlformats.org/officeDocument/2006/relationships" xmlns:p="http://schemas.openxmlformats.org/presentationml/2006/main">
-  <p:cSld>
-    <p:spTree>
-      <p:nvGrpSpPr>
-        <p:cNvPr id="1" name=""/>
-        <p:cNvGrpSpPr/>
-        <p:nvPr/>
-      </p:nvGrpSpPr>
-      <p:grpSpPr>
-        <a:xfrm>
-          <a:off x="0" y="0"/>
-          <a:ext cx="0" cy="0"/>
-          <a:chOff x="0" y="0"/>
-          <a:chExt cx="0" cy="0"/>
-        </a:xfrm>
-      </p:grpSpPr>
-      <p:sp>
-        <p:nvSpPr>
-          <p:cNvPr id="2" name="Slide Image Placeholder 1"/>
-          <p:cNvSpPr>
-            <a:spLocks noGrp="1" noRot="1" noChangeAspect="1"/>
-          </p:cNvSpPr>
-          <p:nvPr>
-            <p:ph type="sldImg"/>
-          </p:nvPr>
-        </p:nvSpPr>
-        <p:spPr/>
-      </p:sp>
-      <p:sp>
-        <p:nvSpPr>
-          <p:cNvPr id="3" name="Notes Placeholder 2"/>
-          <p:cNvSpPr>
-            <a:spLocks noGrp="1"/>
-          </p:cNvSpPr>
-          <p:nvPr>
-            <p:ph type="body" idx="1"/>
-          </p:nvPr>
-        </p:nvSpPr>
-        <p:spPr/>
-        <p:txBody>
-          <a:bodyPr/>
-          <a:lstStyle/>
-          <a:p>
-            <a:pPr rtl="0"/>
-            <a:r>
-              <a:rPr lang="es-419" dirty="0"/>
-              <a:t>12 — Direccionamiento IPv6</a:t>
-            </a:r>
-          </a:p>
-          <a:p>
-            <a:pPr rtl="0"/>
-            <a:r>
-              <a:rPr lang="es-419" dirty="0"/>
-              <a:t>12.1 — Problemas de IPv4</a:t>
-            </a:r>
-          </a:p>
-          <a:p>
-            <a:pPr rtl="0"/>
-            <a:r>
-              <a:rPr lang="es-419" dirty="0"/>
-              <a:t>12.1.1 — Necesidad de IPv6</a:t>
-            </a:r>
-          </a:p>
-        </p:txBody>
-      </p:sp>
-      <p:sp>
-        <p:nvSpPr>
-          <p:cNvPr id="4" name="Slide Number Placeholder 3"/>
-          <p:cNvSpPr>
-            <a:spLocks noGrp="1"/>
-          </p:cNvSpPr>
-          <p:nvPr>
-            <p:ph type="sldNum" sz="quarter" idx="5"/>
-          </p:nvPr>
-        </p:nvSpPr>
-        <p:spPr/>
-        <p:txBody>
-          <a:bodyPr/>
-          <a:lstStyle/>
-          <a:p>
-            <a:pPr rtl="0"/>
-            <a:fld id="{5641018C-6CAF-B84E-B92C-ECB119457FBA}" type="slidenum">
-              <a:rPr/>
-              <a:t>12</a:t>
-            </a:fld>
-            <a:endParaRPr/>
-          </a:p>
-        </p:txBody>
-      </p:sp>
-    </p:spTree>
-    <p:extLst>
-      <p:ext uri="{BB962C8B-B14F-4D97-AF65-F5344CB8AC3E}">
-        <p14:creationId xmlns:p14="http://schemas.microsoft.com/office/powerpoint/2010/main" val="2255763570"/>
-      </p:ext>
-    </p:extLst>
-  </p:cSld>
-  <p:clrMapOvr>
-    <a:masterClrMapping/>
-  </p:clrMapOvr>
-</p:notes>
-</file>
-
 <file path=ppt/notesSlides/notesSlide2.xml><?xml version="1.0" encoding="utf-8"?>
 <p:notes xmlns:a="http://schemas.openxmlformats.org/drawingml/2006/main" xmlns:r="http://schemas.openxmlformats.org/officeDocument/2006/relationships" xmlns:p="http://schemas.openxmlformats.org/presentationml/2006/main">
   <p:cSld>
@@ -2602,7 +2498,7 @@
         <p:fade/>
       </p:transition>
     </mc:Choice>
-    <mc:Fallback xmlns="" xmlns:c15="http://schemas.microsoft.com/office/drawing/2012/chart" xmlns:c="http://schemas.openxmlformats.org/drawingml/2006/chart">
+    <mc:Fallback xmlns:c="http://schemas.openxmlformats.org/drawingml/2006/chart" xmlns:c15="http://schemas.microsoft.com/office/drawing/2012/chart" xmlns="">
       <p:transition xmlns:p14="http://schemas.microsoft.com/office/powerpoint/2010/main" spd="med">
         <p:fade/>
       </p:transition>
@@ -5609,7 +5505,7 @@
         <p:fade/>
       </p:transition>
     </mc:Choice>
-    <mc:Fallback xmlns:c15="http://schemas.microsoft.com/office/drawing/2012/chart" xmlns:c="http://schemas.openxmlformats.org/drawingml/2006/chart" xmlns="">
+    <mc:Fallback xmlns="" xmlns:c="http://schemas.openxmlformats.org/drawingml/2006/chart" xmlns:c15="http://schemas.microsoft.com/office/drawing/2012/chart">
       <p:transition spd="med">
         <p:fade/>
       </p:transition>
@@ -5883,353 +5779,7 @@
         <p:fade/>
       </p:transition>
     </mc:Choice>
-    <mc:Fallback xmlns:c15="http://schemas.microsoft.com/office/drawing/2012/chart" xmlns:c="http://schemas.openxmlformats.org/drawingml/2006/chart" xmlns="">
-      <p:transition spd="med">
-        <p:fade/>
-      </p:transition>
-    </mc:Fallback>
-  </mc:AlternateContent>
-</p:sld>
-</file>
-
-<file path=ppt/slides/slide12.xml><?xml version="1.0" encoding="utf-8"?>
-<p:sld xmlns:a="http://schemas.openxmlformats.org/drawingml/2006/main" xmlns:r="http://schemas.openxmlformats.org/officeDocument/2006/relationships" xmlns:p="http://schemas.openxmlformats.org/presentationml/2006/main">
-  <p:cSld>
-    <p:spTree>
-      <p:nvGrpSpPr>
-        <p:cNvPr id="1" name=""/>
-        <p:cNvGrpSpPr/>
-        <p:nvPr/>
-      </p:nvGrpSpPr>
-      <p:grpSpPr>
-        <a:xfrm>
-          <a:off x="0" y="0"/>
-          <a:ext cx="0" cy="0"/>
-          <a:chOff x="0" y="0"/>
-          <a:chExt cx="0" cy="0"/>
-        </a:xfrm>
-      </p:grpSpPr>
-      <p:sp>
-        <p:nvSpPr>
-          <p:cNvPr id="3" name="Title 2">
-            <a:extLst>
-              <a:ext uri="{FF2B5EF4-FFF2-40B4-BE49-F238E27FC236}">
-                <a16:creationId xmlns:a16="http://schemas.microsoft.com/office/drawing/2014/main" id="{C02AA8F8-1E43-384B-8982-C0BB94049B5C}"/>
-              </a:ext>
-            </a:extLst>
-          </p:cNvPr>
-          <p:cNvSpPr>
-            <a:spLocks noGrp="1"/>
-          </p:cNvSpPr>
-          <p:nvPr>
-            <p:ph type="title"/>
-          </p:nvPr>
-        </p:nvSpPr>
-        <p:spPr>
-          <a:xfrm>
-            <a:off x="183211" y="235670"/>
-            <a:ext cx="8777578" cy="1008112"/>
-          </a:xfrm>
-        </p:spPr>
-        <p:txBody>
-          <a:bodyPr>
-            <a:normAutofit fontScale="90000"/>
-          </a:bodyPr>
-          <a:lstStyle/>
-          <a:p>
-            <a:pPr rtl="0"/>
-            <a:r>
-              <a:rPr lang="es-419" sz="3600" b="1" dirty="0">
-                <a:solidFill>
-                  <a:schemeClr val="accent4">
-                    <a:lumMod val="50000"/>
-                  </a:schemeClr>
-                </a:solidFill>
-                <a:latin typeface="Dom Casual"/>
-              </a:rPr>
-              <a:t>Compresión y descompresión de direcciones IPv6</a:t>
-            </a:r>
-            <a:endParaRPr lang="es-419" sz="2000" b="1" dirty="0">
-              <a:solidFill>
-                <a:schemeClr val="accent4">
-                  <a:lumMod val="50000"/>
-                </a:schemeClr>
-              </a:solidFill>
-              <a:latin typeface="Dom Casual"/>
-            </a:endParaRPr>
-          </a:p>
-        </p:txBody>
-      </p:sp>
-      <p:sp>
-        <p:nvSpPr>
-          <p:cNvPr id="7" name="CuadroTexto 6">
-            <a:extLst>
-              <a:ext uri="{FF2B5EF4-FFF2-40B4-BE49-F238E27FC236}">
-                <a16:creationId xmlns:a16="http://schemas.microsoft.com/office/drawing/2014/main" id="{7E743B1F-6FAB-49C6-972F-0C4E1D705307}"/>
-              </a:ext>
-            </a:extLst>
-          </p:cNvPr>
-          <p:cNvSpPr txBox="1"/>
-          <p:nvPr/>
-        </p:nvSpPr>
-        <p:spPr>
-          <a:xfrm>
-            <a:off x="183211" y="1196752"/>
-            <a:ext cx="8345488" cy="2335704"/>
-          </a:xfrm>
-          <a:prstGeom prst="rect">
-            <a:avLst/>
-          </a:prstGeom>
-          <a:noFill/>
-        </p:spPr>
-        <p:txBody>
-          <a:bodyPr wrap="square">
-            <a:spAutoFit/>
-          </a:bodyPr>
-          <a:lstStyle/>
-          <a:p>
-            <a:pPr marL="228600">
-              <a:lnSpc>
-                <a:spcPct val="150000"/>
-              </a:lnSpc>
-              <a:spcBef>
-                <a:spcPts val="600"/>
-              </a:spcBef>
-              <a:spcAft>
-                <a:spcPts val="600"/>
-              </a:spcAft>
-            </a:pPr>
-            <a:r>
-              <a:rPr lang="es-ES" sz="1200" dirty="0">
-                <a:effectLst/>
-                <a:latin typeface="Arial" panose="020B0604020202020204" pitchFamily="34" charset="0"/>
-                <a:ea typeface="Calibri" panose="020F0502020204030204" pitchFamily="34" charset="0"/>
-                <a:cs typeface="Arial" panose="020B0604020202020204" pitchFamily="34" charset="0"/>
-              </a:rPr>
-              <a:t>Aplique las reglas para la abreviatura de direcciones IPv6 y </a:t>
-            </a:r>
-            <a:r>
-              <a:rPr lang="es-ES" sz="1200" b="1" dirty="0">
-                <a:effectLst/>
-                <a:latin typeface="Arial" panose="020B0604020202020204" pitchFamily="34" charset="0"/>
-                <a:ea typeface="Calibri" panose="020F0502020204030204" pitchFamily="34" charset="0"/>
-                <a:cs typeface="Arial" panose="020B0604020202020204" pitchFamily="34" charset="0"/>
-              </a:rPr>
-              <a:t>comprima o descomprima a lo máximo </a:t>
-            </a:r>
-            <a:r>
-              <a:rPr lang="es-ES" sz="1200" dirty="0">
-                <a:effectLst/>
-                <a:latin typeface="Arial" panose="020B0604020202020204" pitchFamily="34" charset="0"/>
-                <a:ea typeface="Calibri" panose="020F0502020204030204" pitchFamily="34" charset="0"/>
-                <a:cs typeface="Arial" panose="020B0604020202020204" pitchFamily="34" charset="0"/>
-              </a:rPr>
-              <a:t>las siguientes direcciones:</a:t>
-            </a:r>
-            <a:endParaRPr lang="es-MX" sz="1200" dirty="0">
-              <a:latin typeface="Arial" panose="020B0604020202020204" pitchFamily="34" charset="0"/>
-              <a:ea typeface="Calibri" panose="020F0502020204030204" pitchFamily="34" charset="0"/>
-              <a:cs typeface="Arial" panose="020B0604020202020204" pitchFamily="34" charset="0"/>
-            </a:endParaRPr>
-          </a:p>
-          <a:p>
-            <a:pPr marL="685800" indent="-228600">
-              <a:lnSpc>
-                <a:spcPct val="150000"/>
-              </a:lnSpc>
-              <a:spcBef>
-                <a:spcPts val="600"/>
-              </a:spcBef>
-              <a:spcAft>
-                <a:spcPts val="600"/>
-              </a:spcAft>
-              <a:buFont typeface="+mj-lt"/>
-              <a:buAutoNum type="arabicPeriod"/>
-              <a:tabLst>
-                <a:tab pos="685800" algn="l"/>
-                <a:tab pos="449580" algn="l"/>
-              </a:tabLst>
-            </a:pPr>
-            <a:r>
-              <a:rPr lang="es-ES" sz="1200" dirty="0">
-                <a:effectLst/>
-                <a:latin typeface="Arial" panose="020B0604020202020204" pitchFamily="34" charset="0"/>
-                <a:ea typeface="Calibri" panose="020F0502020204030204" pitchFamily="34" charset="0"/>
-                <a:cs typeface="Arial" panose="020B0604020202020204" pitchFamily="34" charset="0"/>
-              </a:rPr>
-              <a:t>FF00::</a:t>
-            </a:r>
-            <a:endParaRPr lang="es-MX" sz="1200" dirty="0">
-              <a:effectLst/>
-              <a:latin typeface="Arial" panose="020B0604020202020204" pitchFamily="34" charset="0"/>
-              <a:ea typeface="Calibri" panose="020F0502020204030204" pitchFamily="34" charset="0"/>
-              <a:cs typeface="Arial" panose="020B0604020202020204" pitchFamily="34" charset="0"/>
-            </a:endParaRPr>
-          </a:p>
-          <a:p>
-            <a:pPr marL="914400" lvl="1">
-              <a:lnSpc>
-                <a:spcPct val="150000"/>
-              </a:lnSpc>
-              <a:spcBef>
-                <a:spcPts val="600"/>
-              </a:spcBef>
-              <a:spcAft>
-                <a:spcPts val="600"/>
-              </a:spcAft>
-              <a:tabLst>
-                <a:tab pos="685800" algn="l"/>
-                <a:tab pos="449580" algn="l"/>
-              </a:tabLst>
-            </a:pPr>
-            <a:r>
-              <a:rPr lang="es-ES" sz="1200" b="1" dirty="0">
-                <a:solidFill>
-                  <a:srgbClr val="000000"/>
-                </a:solidFill>
-                <a:effectLst/>
-                <a:latin typeface="Arial" panose="020B0604020202020204" pitchFamily="34" charset="0"/>
-                <a:ea typeface="Calibri" panose="020F0502020204030204" pitchFamily="34" charset="0"/>
-                <a:cs typeface="Arial" panose="020B0604020202020204" pitchFamily="34" charset="0"/>
-              </a:rPr>
-              <a:t>FF00:0000:0000:0000:0000:0000:0000:0000</a:t>
-            </a:r>
-            <a:endParaRPr lang="es-MX" sz="1200" b="1" dirty="0">
-              <a:solidFill>
-                <a:srgbClr val="000000"/>
-              </a:solidFill>
-              <a:latin typeface="Arial" panose="020B0604020202020204" pitchFamily="34" charset="0"/>
-              <a:ea typeface="Calibri" panose="020F0502020204030204" pitchFamily="34" charset="0"/>
-              <a:cs typeface="Arial" panose="020B0604020202020204" pitchFamily="34" charset="0"/>
-            </a:endParaRPr>
-          </a:p>
-          <a:p>
-            <a:pPr marL="685800" indent="-228600">
-              <a:lnSpc>
-                <a:spcPct val="150000"/>
-              </a:lnSpc>
-              <a:spcBef>
-                <a:spcPts val="600"/>
-              </a:spcBef>
-              <a:spcAft>
-                <a:spcPts val="600"/>
-              </a:spcAft>
-              <a:buFont typeface="+mj-lt"/>
-              <a:buAutoNum type="arabicPeriod"/>
-              <a:tabLst>
-                <a:tab pos="685800" algn="l"/>
-                <a:tab pos="449580" algn="l"/>
-              </a:tabLst>
-            </a:pPr>
-            <a:r>
-              <a:rPr lang="es-ES" sz="1200" dirty="0">
-                <a:effectLst/>
-                <a:latin typeface="Arial" panose="020B0604020202020204" pitchFamily="34" charset="0"/>
-                <a:ea typeface="Calibri" panose="020F0502020204030204" pitchFamily="34" charset="0"/>
-                <a:cs typeface="Arial" panose="020B0604020202020204" pitchFamily="34" charset="0"/>
-              </a:rPr>
-              <a:t>2001:0030:0001:ACAD:0000:330E:10C2:32BF</a:t>
-            </a:r>
-            <a:endParaRPr lang="es-MX" sz="1200" dirty="0">
-              <a:effectLst/>
-              <a:latin typeface="Arial" panose="020B0604020202020204" pitchFamily="34" charset="0"/>
-              <a:ea typeface="Calibri" panose="020F0502020204030204" pitchFamily="34" charset="0"/>
-              <a:cs typeface="Arial" panose="020B0604020202020204" pitchFamily="34" charset="0"/>
-            </a:endParaRPr>
-          </a:p>
-          <a:p>
-            <a:pPr marL="914400" lvl="1">
-              <a:lnSpc>
-                <a:spcPct val="150000"/>
-              </a:lnSpc>
-              <a:spcBef>
-                <a:spcPts val="600"/>
-              </a:spcBef>
-              <a:spcAft>
-                <a:spcPts val="600"/>
-              </a:spcAft>
-              <a:tabLst>
-                <a:tab pos="685800" algn="l"/>
-                <a:tab pos="449580" algn="l"/>
-              </a:tabLst>
-            </a:pPr>
-            <a:r>
-              <a:rPr lang="es-ES" sz="1200" b="1" dirty="0">
-                <a:solidFill>
-                  <a:srgbClr val="000000"/>
-                </a:solidFill>
-                <a:effectLst/>
-                <a:latin typeface="Arial" panose="020B0604020202020204" pitchFamily="34" charset="0"/>
-                <a:ea typeface="Calibri" panose="020F0502020204030204" pitchFamily="34" charset="0"/>
-                <a:cs typeface="Arial" panose="020B0604020202020204" pitchFamily="34" charset="0"/>
-              </a:rPr>
-              <a:t>2001:30:1:ACAD::330E:10C2:32BF</a:t>
-            </a:r>
-            <a:endParaRPr lang="es-MX" sz="1200" b="1" dirty="0">
-              <a:effectLst/>
-              <a:latin typeface="Arial" panose="020B0604020202020204" pitchFamily="34" charset="0"/>
-              <a:ea typeface="Calibri" panose="020F0502020204030204" pitchFamily="34" charset="0"/>
-              <a:cs typeface="Arial" panose="020B0604020202020204" pitchFamily="34" charset="0"/>
-            </a:endParaRPr>
-          </a:p>
-        </p:txBody>
-      </p:sp>
-      <p:pic>
-        <p:nvPicPr>
-          <p:cNvPr id="9" name="Picture 4" descr="IPv6-abbreviation">
-            <a:extLst>
-              <a:ext uri="{FF2B5EF4-FFF2-40B4-BE49-F238E27FC236}">
-                <a16:creationId xmlns:a16="http://schemas.microsoft.com/office/drawing/2014/main" id="{BB1E6E02-23A6-4E50-AF21-EC44E8D6FAC7}"/>
-              </a:ext>
-            </a:extLst>
-          </p:cNvPr>
-          <p:cNvPicPr/>
-          <p:nvPr/>
-        </p:nvPicPr>
-        <p:blipFill>
-          <a:blip r:embed="rId3" cstate="print">
-            <a:extLst>
-              <a:ext uri="{28A0092B-C50C-407E-A947-70E740481C1C}">
-                <a14:useLocalDpi xmlns:a14="http://schemas.microsoft.com/office/drawing/2010/main" val="0"/>
-              </a:ext>
-            </a:extLst>
-          </a:blip>
-          <a:srcRect/>
-          <a:stretch>
-            <a:fillRect/>
-          </a:stretch>
-        </p:blipFill>
-        <p:spPr bwMode="auto">
-          <a:xfrm>
-            <a:off x="4067944" y="3532456"/>
-            <a:ext cx="4591050" cy="2914650"/>
-          </a:xfrm>
-          <a:prstGeom prst="rect">
-            <a:avLst/>
-          </a:prstGeom>
-          <a:noFill/>
-          <a:ln>
-            <a:noFill/>
-          </a:ln>
-        </p:spPr>
-      </p:pic>
-    </p:spTree>
-    <p:extLst>
-      <p:ext uri="{BB962C8B-B14F-4D97-AF65-F5344CB8AC3E}">
-        <p14:creationId xmlns:p14="http://schemas.microsoft.com/office/powerpoint/2010/main" val="2766900275"/>
-      </p:ext>
-    </p:extLst>
-  </p:cSld>
-  <p:clrMapOvr>
-    <a:masterClrMapping/>
-  </p:clrMapOvr>
-  <mc:AlternateContent xmlns:mc="http://schemas.openxmlformats.org/markup-compatibility/2006" xmlns:p14="http://schemas.microsoft.com/office/powerpoint/2010/main">
-    <mc:Choice Requires="p14">
-      <p:transition spd="med" p14:dur="700">
-        <p:fade/>
-      </p:transition>
-    </mc:Choice>
-    <mc:Fallback xmlns:c15="http://schemas.microsoft.com/office/drawing/2012/chart" xmlns:c="http://schemas.openxmlformats.org/drawingml/2006/chart" xmlns="">
+    <mc:Fallback xmlns="" xmlns:c="http://schemas.openxmlformats.org/drawingml/2006/chart" xmlns:c15="http://schemas.microsoft.com/office/drawing/2012/chart">
       <p:transition spd="med">
         <p:fade/>
       </p:transition>
@@ -6271,7 +5821,7 @@
           <a:graphicData uri="http://schemas.openxmlformats.org/presentationml/2006/ole">
             <mc:AlternateContent xmlns:mc="http://schemas.openxmlformats.org/markup-compatibility/2006">
               <mc:Choice xmlns:v="urn:schemas-microsoft-com:vml" Requires="v">
-                <p:oleObj spid="_x0000_s24629" name="Bitmap Image" r:id="rId4" imgW="1819280" imgH="2552567" progId="PBrush">
+                <p:oleObj spid="_x0000_s24630" name="Bitmap Image" r:id="rId4" imgW="1819280" imgH="2552567" progId="PBrush">
                   <p:embed/>
                 </p:oleObj>
               </mc:Choice>
@@ -7030,7 +6580,7 @@
         <p:fade/>
       </p:transition>
     </mc:Choice>
-    <mc:Fallback xmlns:c15="http://schemas.microsoft.com/office/drawing/2012/chart" xmlns:c="http://schemas.openxmlformats.org/drawingml/2006/chart" xmlns="">
+    <mc:Fallback xmlns="" xmlns:c="http://schemas.openxmlformats.org/drawingml/2006/chart" xmlns:c15="http://schemas.microsoft.com/office/drawing/2012/chart">
       <p:transition spd="med">
         <p:fade/>
       </p:transition>
@@ -7418,7 +6968,7 @@
         <p:fade/>
       </p:transition>
     </mc:Choice>
-    <mc:Fallback xmlns:c15="http://schemas.microsoft.com/office/drawing/2012/chart" xmlns:c="http://schemas.openxmlformats.org/drawingml/2006/chart" xmlns="">
+    <mc:Fallback xmlns="" xmlns:c="http://schemas.openxmlformats.org/drawingml/2006/chart" xmlns:c15="http://schemas.microsoft.com/office/drawing/2012/chart">
       <p:transition spd="med">
         <p:fade/>
       </p:transition>
@@ -7997,7 +7547,7 @@
         <p:fade/>
       </p:transition>
     </mc:Choice>
-    <mc:Fallback xmlns:c15="http://schemas.microsoft.com/office/drawing/2012/chart" xmlns:c="http://schemas.openxmlformats.org/drawingml/2006/chart" xmlns="">
+    <mc:Fallback xmlns="" xmlns:c="http://schemas.openxmlformats.org/drawingml/2006/chart" xmlns:c15="http://schemas.microsoft.com/office/drawing/2012/chart">
       <p:transition spd="med">
         <p:fade/>
       </p:transition>
@@ -8623,7 +8173,7 @@
         <p:fade/>
       </p:transition>
     </mc:Choice>
-    <mc:Fallback xmlns:c15="http://schemas.microsoft.com/office/drawing/2012/chart" xmlns:c="http://schemas.openxmlformats.org/drawingml/2006/chart" xmlns="">
+    <mc:Fallback xmlns="" xmlns:c="http://schemas.openxmlformats.org/drawingml/2006/chart" xmlns:c15="http://schemas.microsoft.com/office/drawing/2012/chart">
       <p:transition spd="med">
         <p:fade/>
       </p:transition>
@@ -9448,7 +8998,7 @@
         <p:fade/>
       </p:transition>
     </mc:Choice>
-    <mc:Fallback xmlns:c15="http://schemas.microsoft.com/office/drawing/2012/chart" xmlns:c="http://schemas.openxmlformats.org/drawingml/2006/chart" xmlns="">
+    <mc:Fallback xmlns="" xmlns:c="http://schemas.openxmlformats.org/drawingml/2006/chart" xmlns:c15="http://schemas.microsoft.com/office/drawing/2012/chart">
       <p:transition spd="med">
         <p:fade/>
       </p:transition>
@@ -9825,7 +9375,7 @@
         <p:fade/>
       </p:transition>
     </mc:Choice>
-    <mc:Fallback xmlns:c15="http://schemas.microsoft.com/office/drawing/2012/chart" xmlns:c="http://schemas.openxmlformats.org/drawingml/2006/chart" xmlns="">
+    <mc:Fallback xmlns="" xmlns:c="http://schemas.openxmlformats.org/drawingml/2006/chart" xmlns:c15="http://schemas.microsoft.com/office/drawing/2012/chart">
       <p:transition spd="med">
         <p:fade/>
       </p:transition>
@@ -10103,7 +9653,7 @@
         <p:fade/>
       </p:transition>
     </mc:Choice>
-    <mc:Fallback xmlns:c15="http://schemas.microsoft.com/office/drawing/2012/chart" xmlns:c="http://schemas.openxmlformats.org/drawingml/2006/chart" xmlns="">
+    <mc:Fallback xmlns="" xmlns:c="http://schemas.openxmlformats.org/drawingml/2006/chart" xmlns:c15="http://schemas.microsoft.com/office/drawing/2012/chart">
       <p:transition spd="med">
         <p:fade/>
       </p:transition>
